--- a/doc/distributed-prediction.pptx
+++ b/doc/distributed-prediction.pptx
@@ -15,6 +15,24 @@
     <p:sldId id="260" r:id="rId12"/>
     <p:sldId id="261" r:id="rId13"/>
     <p:sldId id="262" r:id="rId14"/>
+    <p:sldId id="263" r:id="rId15"/>
+    <p:sldId id="264" r:id="rId16"/>
+    <p:sldId id="265" r:id="rId17"/>
+    <p:sldId id="266" r:id="rId18"/>
+    <p:sldId id="267" r:id="rId19"/>
+    <p:sldId id="268" r:id="rId20"/>
+    <p:sldId id="269" r:id="rId21"/>
+    <p:sldId id="270" r:id="rId22"/>
+    <p:sldId id="271" r:id="rId23"/>
+    <p:sldId id="272" r:id="rId24"/>
+    <p:sldId id="273" r:id="rId25"/>
+    <p:sldId id="274" r:id="rId26"/>
+    <p:sldId id="275" r:id="rId27"/>
+    <p:sldId id="276" r:id="rId28"/>
+    <p:sldId id="277" r:id="rId29"/>
+    <p:sldId id="278" r:id="rId30"/>
+    <p:sldId id="279" r:id="rId31"/>
+    <p:sldId id="280" r:id="rId32"/>
   </p:sldIdLst>
   <p:sldSz cx="12192000" cy="6858000"/>
   <p:notesSz cx="6858000" cy="9144000"/>
@@ -72,7 +90,7 @@
         <a:latin typeface="+mj-lt"/>
         <a:ea typeface="+mj-ea"/>
         <a:cs typeface="+mj-cs"/>
-        <a:sym typeface="Arial"/>
+        <a:sym typeface="Helvetica"/>
       </a:defRPr>
     </a:lvl1pPr>
     <a:lvl2pPr marL="0" marR="0" indent="0" algn="l" defTabSz="914400" rtl="0" fontAlgn="auto" latinLnBrk="0" hangingPunct="0">
@@ -102,7 +120,7 @@
         <a:latin typeface="+mj-lt"/>
         <a:ea typeface="+mj-ea"/>
         <a:cs typeface="+mj-cs"/>
-        <a:sym typeface="Arial"/>
+        <a:sym typeface="Helvetica"/>
       </a:defRPr>
     </a:lvl2pPr>
     <a:lvl3pPr marL="0" marR="0" indent="0" algn="l" defTabSz="914400" rtl="0" fontAlgn="auto" latinLnBrk="0" hangingPunct="0">
@@ -132,7 +150,7 @@
         <a:latin typeface="+mj-lt"/>
         <a:ea typeface="+mj-ea"/>
         <a:cs typeface="+mj-cs"/>
-        <a:sym typeface="Arial"/>
+        <a:sym typeface="Helvetica"/>
       </a:defRPr>
     </a:lvl3pPr>
     <a:lvl4pPr marL="0" marR="0" indent="0" algn="l" defTabSz="914400" rtl="0" fontAlgn="auto" latinLnBrk="0" hangingPunct="0">
@@ -162,7 +180,7 @@
         <a:latin typeface="+mj-lt"/>
         <a:ea typeface="+mj-ea"/>
         <a:cs typeface="+mj-cs"/>
-        <a:sym typeface="Arial"/>
+        <a:sym typeface="Helvetica"/>
       </a:defRPr>
     </a:lvl4pPr>
     <a:lvl5pPr marL="0" marR="0" indent="0" algn="l" defTabSz="914400" rtl="0" fontAlgn="auto" latinLnBrk="0" hangingPunct="0">
@@ -192,7 +210,7 @@
         <a:latin typeface="+mj-lt"/>
         <a:ea typeface="+mj-ea"/>
         <a:cs typeface="+mj-cs"/>
-        <a:sym typeface="Arial"/>
+        <a:sym typeface="Helvetica"/>
       </a:defRPr>
     </a:lvl5pPr>
     <a:lvl6pPr marL="0" marR="0" indent="0" algn="l" defTabSz="914400" rtl="0" fontAlgn="auto" latinLnBrk="0" hangingPunct="0">
@@ -222,7 +240,7 @@
         <a:latin typeface="+mj-lt"/>
         <a:ea typeface="+mj-ea"/>
         <a:cs typeface="+mj-cs"/>
-        <a:sym typeface="Arial"/>
+        <a:sym typeface="Helvetica"/>
       </a:defRPr>
     </a:lvl6pPr>
     <a:lvl7pPr marL="0" marR="0" indent="0" algn="l" defTabSz="914400" rtl="0" fontAlgn="auto" latinLnBrk="0" hangingPunct="0">
@@ -252,7 +270,7 @@
         <a:latin typeface="+mj-lt"/>
         <a:ea typeface="+mj-ea"/>
         <a:cs typeface="+mj-cs"/>
-        <a:sym typeface="Arial"/>
+        <a:sym typeface="Helvetica"/>
       </a:defRPr>
     </a:lvl7pPr>
     <a:lvl8pPr marL="0" marR="0" indent="0" algn="l" defTabSz="914400" rtl="0" fontAlgn="auto" latinLnBrk="0" hangingPunct="0">
@@ -282,7 +300,7 @@
         <a:latin typeface="+mj-lt"/>
         <a:ea typeface="+mj-ea"/>
         <a:cs typeface="+mj-cs"/>
-        <a:sym typeface="Arial"/>
+        <a:sym typeface="Helvetica"/>
       </a:defRPr>
     </a:lvl8pPr>
     <a:lvl9pPr marL="0" marR="0" indent="0" algn="l" defTabSz="914400" rtl="0" fontAlgn="auto" latinLnBrk="0" hangingPunct="0">
@@ -312,7 +330,7 @@
         <a:latin typeface="+mj-lt"/>
         <a:ea typeface="+mj-ea"/>
         <a:cs typeface="+mj-cs"/>
-        <a:sym typeface="Arial"/>
+        <a:sym typeface="Helvetica"/>
       </a:defRPr>
     </a:lvl9pPr>
   </p:defaultTextStyle>
@@ -342,7 +360,7 @@
       </p:grpSpPr>
       <p:sp>
         <p:nvSpPr>
-          <p:cNvPr id="115" name="Shape 115"/>
+          <p:cNvPr id="124" name="Shape 124"/>
           <p:cNvSpPr/>
           <p:nvPr>
             <p:ph type="sldImg"/>
@@ -367,7 +385,7 @@
       </p:sp>
       <p:sp>
         <p:nvSpPr>
-          <p:cNvPr id="116" name="Shape 116"/>
+          <p:cNvPr id="125" name="Shape 125"/>
           <p:cNvSpPr/>
           <p:nvPr>
             <p:ph type="body" sz="quarter" idx="1"/>
@@ -396,73 +414,73 @@
   <p:notesStyle>
     <a:lvl1pPr latinLnBrk="0">
       <a:defRPr sz="1400">
-        <a:latin typeface="+mj-lt"/>
-        <a:ea typeface="+mj-ea"/>
-        <a:cs typeface="+mj-cs"/>
+        <a:latin typeface="+mn-lt"/>
+        <a:ea typeface="+mn-ea"/>
+        <a:cs typeface="+mn-cs"/>
         <a:sym typeface="Arial"/>
       </a:defRPr>
     </a:lvl1pPr>
     <a:lvl2pPr indent="228600" latinLnBrk="0">
       <a:defRPr sz="1400">
-        <a:latin typeface="+mj-lt"/>
-        <a:ea typeface="+mj-ea"/>
-        <a:cs typeface="+mj-cs"/>
+        <a:latin typeface="+mn-lt"/>
+        <a:ea typeface="+mn-ea"/>
+        <a:cs typeface="+mn-cs"/>
         <a:sym typeface="Arial"/>
       </a:defRPr>
     </a:lvl2pPr>
     <a:lvl3pPr indent="457200" latinLnBrk="0">
       <a:defRPr sz="1400">
-        <a:latin typeface="+mj-lt"/>
-        <a:ea typeface="+mj-ea"/>
-        <a:cs typeface="+mj-cs"/>
+        <a:latin typeface="+mn-lt"/>
+        <a:ea typeface="+mn-ea"/>
+        <a:cs typeface="+mn-cs"/>
         <a:sym typeface="Arial"/>
       </a:defRPr>
     </a:lvl3pPr>
     <a:lvl4pPr indent="685800" latinLnBrk="0">
       <a:defRPr sz="1400">
-        <a:latin typeface="+mj-lt"/>
-        <a:ea typeface="+mj-ea"/>
-        <a:cs typeface="+mj-cs"/>
+        <a:latin typeface="+mn-lt"/>
+        <a:ea typeface="+mn-ea"/>
+        <a:cs typeface="+mn-cs"/>
         <a:sym typeface="Arial"/>
       </a:defRPr>
     </a:lvl4pPr>
     <a:lvl5pPr indent="914400" latinLnBrk="0">
       <a:defRPr sz="1400">
-        <a:latin typeface="+mj-lt"/>
-        <a:ea typeface="+mj-ea"/>
-        <a:cs typeface="+mj-cs"/>
+        <a:latin typeface="+mn-lt"/>
+        <a:ea typeface="+mn-ea"/>
+        <a:cs typeface="+mn-cs"/>
         <a:sym typeface="Arial"/>
       </a:defRPr>
     </a:lvl5pPr>
     <a:lvl6pPr indent="1143000" latinLnBrk="0">
       <a:defRPr sz="1400">
-        <a:latin typeface="+mj-lt"/>
-        <a:ea typeface="+mj-ea"/>
-        <a:cs typeface="+mj-cs"/>
+        <a:latin typeface="+mn-lt"/>
+        <a:ea typeface="+mn-ea"/>
+        <a:cs typeface="+mn-cs"/>
         <a:sym typeface="Arial"/>
       </a:defRPr>
     </a:lvl6pPr>
     <a:lvl7pPr indent="1371600" latinLnBrk="0">
       <a:defRPr sz="1400">
-        <a:latin typeface="+mj-lt"/>
-        <a:ea typeface="+mj-ea"/>
-        <a:cs typeface="+mj-cs"/>
+        <a:latin typeface="+mn-lt"/>
+        <a:ea typeface="+mn-ea"/>
+        <a:cs typeface="+mn-cs"/>
         <a:sym typeface="Arial"/>
       </a:defRPr>
     </a:lvl7pPr>
     <a:lvl8pPr indent="1600200" latinLnBrk="0">
       <a:defRPr sz="1400">
-        <a:latin typeface="+mj-lt"/>
-        <a:ea typeface="+mj-ea"/>
-        <a:cs typeface="+mj-cs"/>
+        <a:latin typeface="+mn-lt"/>
+        <a:ea typeface="+mn-ea"/>
+        <a:cs typeface="+mn-cs"/>
         <a:sym typeface="Arial"/>
       </a:defRPr>
     </a:lvl8pPr>
     <a:lvl9pPr indent="1828800" latinLnBrk="0">
       <a:defRPr sz="1400">
-        <a:latin typeface="+mj-lt"/>
-        <a:ea typeface="+mj-ea"/>
-        <a:cs typeface="+mj-cs"/>
+        <a:latin typeface="+mn-lt"/>
+        <a:ea typeface="+mn-ea"/>
+        <a:cs typeface="+mn-cs"/>
         <a:sym typeface="Arial"/>
       </a:defRPr>
     </a:lvl9pPr>
@@ -539,35 +557,35 @@
         <p:txBody>
           <a:bodyPr/>
           <a:lstStyle>
-            <a:lvl1pPr marL="228600" indent="0" algn="ctr">
+            <a:lvl1pPr marL="0" indent="228600" algn="ctr">
               <a:buClrTx/>
               <a:buSzTx/>
               <a:buFontTx/>
               <a:buNone/>
               <a:defRPr sz="2400"/>
             </a:lvl1pPr>
-            <a:lvl2pPr marL="228600" indent="457200" algn="ctr">
+            <a:lvl2pPr marL="0" indent="228600" algn="ctr">
               <a:buClrTx/>
               <a:buSzTx/>
               <a:buFontTx/>
               <a:buNone/>
               <a:defRPr sz="2400"/>
             </a:lvl2pPr>
-            <a:lvl3pPr marL="228600" indent="914400" algn="ctr">
+            <a:lvl3pPr marL="0" indent="228600" algn="ctr">
               <a:buClrTx/>
               <a:buSzTx/>
               <a:buFontTx/>
               <a:buNone/>
               <a:defRPr sz="2400"/>
             </a:lvl3pPr>
-            <a:lvl4pPr marL="228600" indent="1371600" algn="ctr">
+            <a:lvl4pPr marL="0" indent="228600" algn="ctr">
               <a:buClrTx/>
               <a:buSzTx/>
               <a:buFontTx/>
               <a:buNone/>
               <a:defRPr sz="2400"/>
             </a:lvl4pPr>
-            <a:lvl5pPr marL="228600" indent="1828800" algn="ctr">
+            <a:lvl5pPr marL="0" indent="228600" algn="ctr">
               <a:buClrTx/>
               <a:buSzTx/>
               <a:buFontTx/>
@@ -707,35 +725,35 @@
         <p:txBody>
           <a:bodyPr/>
           <a:lstStyle>
-            <a:lvl1pPr marL="228600" indent="0">
+            <a:lvl1pPr marL="0" indent="228600">
               <a:buClrTx/>
               <a:buSzTx/>
               <a:buFontTx/>
               <a:buNone/>
               <a:defRPr sz="1600"/>
             </a:lvl1pPr>
-            <a:lvl2pPr marL="228600" indent="457200">
+            <a:lvl2pPr marL="0" indent="228600">
               <a:buClrTx/>
               <a:buSzTx/>
               <a:buFontTx/>
               <a:buNone/>
               <a:defRPr sz="1600"/>
             </a:lvl2pPr>
-            <a:lvl3pPr marL="228600" indent="914400">
+            <a:lvl3pPr marL="0" indent="228600">
               <a:buClrTx/>
               <a:buSzTx/>
               <a:buFontTx/>
               <a:buNone/>
               <a:defRPr sz="1600"/>
             </a:lvl3pPr>
-            <a:lvl4pPr marL="228600" indent="1371600">
+            <a:lvl4pPr marL="0" indent="228600">
               <a:buClrTx/>
               <a:buSzTx/>
               <a:buFontTx/>
               <a:buNone/>
               <a:defRPr sz="1600"/>
             </a:lvl4pPr>
-            <a:lvl5pPr marL="228600" indent="1828800">
+            <a:lvl5pPr marL="0" indent="228600">
               <a:buClrTx/>
               <a:buSzTx/>
               <a:buFontTx/>
@@ -954,7 +972,7 @@
         <p:spPr>
           <a:xfrm>
             <a:off x="8724900" y="0"/>
-            <a:ext cx="2628900" cy="6542089"/>
+            <a:ext cx="2628900" cy="6542090"/>
           </a:xfrm>
           <a:prstGeom prst="rect">
             <a:avLst/>
@@ -1032,6 +1050,134 @@
           </p:nvPr>
         </p:nvSpPr>
         <p:spPr>
+          <a:prstGeom prst="rect">
+            <a:avLst/>
+          </a:prstGeom>
+        </p:spPr>
+        <p:txBody>
+          <a:bodyPr/>
+          <a:lstStyle/>
+          <a:p>
+            <a:pPr/>
+            <a:fld id="{86CB4B4D-7CA3-9044-876B-883B54F8677D}" type="slidenum"/>
+          </a:p>
+        </p:txBody>
+      </p:sp>
+    </p:spTree>
+  </p:cSld>
+  <p:clrMapOvr>
+    <a:masterClrMapping/>
+  </p:clrMapOvr>
+  <p:transition xmlns:p14="http://schemas.microsoft.com/office/powerpoint/2010/main" spd="med" advClick="1"/>
+</p:sldLayout>
+</file>
+
+<file path=ppt/slideLayouts/slideLayout13.xml><?xml version="1.0" encoding="utf-8"?>
+<p:sldLayout xmlns:a="http://schemas.openxmlformats.org/drawingml/2006/main" xmlns:r="http://schemas.openxmlformats.org/officeDocument/2006/relationships" xmlns:p="http://schemas.openxmlformats.org/presentationml/2006/main" xmlns:m="http://schemas.openxmlformats.org/officeDocument/2006/math" xmlns:a14="http://schemas.microsoft.com/office/drawing/2010/main" type="tx" showMasterSp="1" showMasterPhAnim="1">
+  <p:cSld name="TITLE_AND_BODY">
+    <p:spTree>
+      <p:nvGrpSpPr>
+        <p:cNvPr id="1" name=""/>
+        <p:cNvGrpSpPr/>
+        <p:nvPr/>
+      </p:nvGrpSpPr>
+      <p:grpSpPr>
+        <a:xfrm>
+          <a:off x="0" y="0"/>
+          <a:ext cx="0" cy="0"/>
+          <a:chOff x="0" y="0"/>
+          <a:chExt cx="0" cy="0"/>
+        </a:xfrm>
+      </p:grpSpPr>
+      <p:sp>
+        <p:nvSpPr>
+          <p:cNvPr id="116" name="Title Text"/>
+          <p:cNvSpPr txBox="1"/>
+          <p:nvPr>
+            <p:ph type="title"/>
+          </p:nvPr>
+        </p:nvSpPr>
+        <p:spPr>
+          <a:xfrm>
+            <a:off x="838200" y="230185"/>
+            <a:ext cx="10515600" cy="1595442"/>
+          </a:xfrm>
+          <a:prstGeom prst="rect">
+            <a:avLst/>
+          </a:prstGeom>
+        </p:spPr>
+        <p:txBody>
+          <a:bodyPr/>
+          <a:lstStyle/>
+          <a:p>
+            <a:pPr/>
+            <a:r>
+              <a:t>Title Text</a:t>
+            </a:r>
+          </a:p>
+        </p:txBody>
+      </p:sp>
+      <p:sp>
+        <p:nvSpPr>
+          <p:cNvPr id="117" name="Body Level One…"/>
+          <p:cNvSpPr txBox="1"/>
+          <p:nvPr>
+            <p:ph type="body" idx="1"/>
+          </p:nvPr>
+        </p:nvSpPr>
+        <p:spPr>
+          <a:prstGeom prst="rect">
+            <a:avLst/>
+          </a:prstGeom>
+        </p:spPr>
+        <p:txBody>
+          <a:bodyPr/>
+          <a:lstStyle/>
+          <a:p>
+            <a:pPr/>
+            <a:r>
+              <a:t>Body Level One</a:t>
+            </a:r>
+          </a:p>
+          <a:p>
+            <a:pPr lvl="1"/>
+            <a:r>
+              <a:t>Body Level Two</a:t>
+            </a:r>
+          </a:p>
+          <a:p>
+            <a:pPr lvl="2"/>
+            <a:r>
+              <a:t>Body Level Three</a:t>
+            </a:r>
+          </a:p>
+          <a:p>
+            <a:pPr lvl="3"/>
+            <a:r>
+              <a:t>Body Level Four</a:t>
+            </a:r>
+          </a:p>
+          <a:p>
+            <a:pPr lvl="4"/>
+            <a:r>
+              <a:t>Body Level Five</a:t>
+            </a:r>
+          </a:p>
+        </p:txBody>
+      </p:sp>
+      <p:sp>
+        <p:nvSpPr>
+          <p:cNvPr id="118" name="Slide Number"/>
+          <p:cNvSpPr txBox="1"/>
+          <p:nvPr>
+            <p:ph type="sldNum" sz="quarter" idx="2"/>
+          </p:nvPr>
+        </p:nvSpPr>
+        <p:spPr>
+          <a:xfrm>
+            <a:off x="11095219" y="6414781"/>
+            <a:ext cx="258582" cy="248264"/>
+          </a:xfrm>
           <a:prstGeom prst="rect">
             <a:avLst/>
           </a:prstGeom>
@@ -1298,8 +1444,8 @@
         </p:nvSpPr>
         <p:spPr>
           <a:xfrm>
-            <a:off x="11323816" y="6232218"/>
-            <a:ext cx="258585" cy="248265"/>
+            <a:off x="11323819" y="6232218"/>
+            <a:ext cx="258582" cy="248264"/>
           </a:xfrm>
           <a:prstGeom prst="rect">
             <a:avLst/>
@@ -1383,7 +1529,7 @@
         <p:spPr>
           <a:xfrm>
             <a:off x="831850" y="4589462"/>
-            <a:ext cx="10515600" cy="2268539"/>
+            <a:ext cx="10515600" cy="2268541"/>
           </a:xfrm>
           <a:prstGeom prst="rect">
             <a:avLst/>
@@ -1392,7 +1538,7 @@
         <p:txBody>
           <a:bodyPr/>
           <a:lstStyle>
-            <a:lvl1pPr marL="228600" indent="0">
+            <a:lvl1pPr marL="0" indent="228600">
               <a:buClrTx/>
               <a:buSzTx/>
               <a:buFontTx/>
@@ -1403,7 +1549,7 @@
                 </a:solidFill>
               </a:defRPr>
             </a:lvl1pPr>
-            <a:lvl2pPr marL="228600" indent="457200">
+            <a:lvl2pPr marL="0" indent="228600">
               <a:buClrTx/>
               <a:buSzTx/>
               <a:buFontTx/>
@@ -1414,7 +1560,7 @@
                 </a:solidFill>
               </a:defRPr>
             </a:lvl2pPr>
-            <a:lvl3pPr marL="228600" indent="914400">
+            <a:lvl3pPr marL="0" indent="228600">
               <a:buClrTx/>
               <a:buSzTx/>
               <a:buFontTx/>
@@ -1425,7 +1571,7 @@
                 </a:solidFill>
               </a:defRPr>
             </a:lvl3pPr>
-            <a:lvl4pPr marL="228600" indent="1371600">
+            <a:lvl4pPr marL="0" indent="228600">
               <a:buClrTx/>
               <a:buSzTx/>
               <a:buFontTx/>
@@ -1436,7 +1582,7 @@
                 </a:solidFill>
               </a:defRPr>
             </a:lvl4pPr>
-            <a:lvl5pPr marL="228600" indent="1828800">
+            <a:lvl5pPr marL="0" indent="228600">
               <a:buClrTx/>
               <a:buSzTx/>
               <a:buFontTx/>
@@ -1691,7 +1837,7 @@
         <p:spPr>
           <a:xfrm>
             <a:off x="839787" y="1681163"/>
-            <a:ext cx="5157790" cy="823914"/>
+            <a:ext cx="5157790" cy="823916"/>
           </a:xfrm>
           <a:prstGeom prst="rect">
             <a:avLst/>
@@ -1700,35 +1846,35 @@
         <p:txBody>
           <a:bodyPr anchor="b"/>
           <a:lstStyle>
-            <a:lvl1pPr marL="228600" indent="0">
+            <a:lvl1pPr marL="0" indent="228600">
               <a:buClrTx/>
               <a:buSzTx/>
               <a:buFontTx/>
               <a:buNone/>
               <a:defRPr b="1" sz="2400"/>
             </a:lvl1pPr>
-            <a:lvl2pPr marL="228600" indent="457200">
+            <a:lvl2pPr marL="0" indent="228600">
               <a:buClrTx/>
               <a:buSzTx/>
               <a:buFontTx/>
               <a:buNone/>
               <a:defRPr b="1" sz="2400"/>
             </a:lvl2pPr>
-            <a:lvl3pPr marL="228600" indent="914400">
+            <a:lvl3pPr marL="0" indent="228600">
               <a:buClrTx/>
               <a:buSzTx/>
               <a:buFontTx/>
               <a:buNone/>
               <a:defRPr b="1" sz="2400"/>
             </a:lvl3pPr>
-            <a:lvl4pPr marL="228600" indent="1371600">
+            <a:lvl4pPr marL="0" indent="228600">
               <a:buClrTx/>
               <a:buSzTx/>
               <a:buFontTx/>
               <a:buNone/>
               <a:defRPr b="1" sz="2400"/>
             </a:lvl4pPr>
-            <a:lvl5pPr marL="228600" indent="1828800">
+            <a:lvl5pPr marL="0" indent="228600">
               <a:buClrTx/>
               <a:buSzTx/>
               <a:buFontTx/>
@@ -1983,7 +2129,7 @@
         <p:spPr>
           <a:xfrm>
             <a:off x="5183187" y="987425"/>
-            <a:ext cx="6172202" cy="5870575"/>
+            <a:ext cx="6172204" cy="5870575"/>
           </a:xfrm>
           <a:prstGeom prst="rect">
             <a:avLst/>
@@ -2110,8 +2256,8 @@
         </p:nvSpPr>
         <p:spPr>
           <a:xfrm>
-            <a:off x="838200" y="230186"/>
-            <a:ext cx="10515600" cy="1595440"/>
+            <a:off x="838200" y="230185"/>
+            <a:ext cx="10515600" cy="1595442"/>
           </a:xfrm>
           <a:prstGeom prst="rect">
             <a:avLst/>
@@ -2210,8 +2356,8 @@
         </p:nvSpPr>
         <p:spPr>
           <a:xfrm>
-            <a:off x="11095216" y="6414780"/>
-            <a:ext cx="258585" cy="248265"/>
+            <a:off x="11095219" y="6414781"/>
+            <a:ext cx="258582" cy="248264"/>
           </a:xfrm>
           <a:prstGeom prst="rect">
             <a:avLst/>
@@ -2259,6 +2405,7 @@
     <p:sldLayoutId id="2147483658" r:id="rId11"/>
     <p:sldLayoutId id="2147483659" r:id="rId12"/>
     <p:sldLayoutId id="2147483660" r:id="rId13"/>
+    <p:sldLayoutId id="2147483661" r:id="rId14"/>
   </p:sldLayoutIdLst>
   <p:transition xmlns:p14="http://schemas.microsoft.com/office/powerpoint/2010/main" spd="med" advClick="1"/>
   <p:txStyles>
@@ -3011,7 +3158,57 @@
       </p:grpSpPr>
       <p:sp>
         <p:nvSpPr>
-          <p:cNvPr id="118" name="Google Shape;498;p76"/>
+          <p:cNvPr id="127" name="Distributed inference with Spark"/>
+          <p:cNvSpPr txBox="1"/>
+          <p:nvPr>
+            <p:ph type="ctrTitle"/>
+          </p:nvPr>
+        </p:nvSpPr>
+        <p:spPr>
+          <a:prstGeom prst="rect">
+            <a:avLst/>
+          </a:prstGeom>
+        </p:spPr>
+        <p:txBody>
+          <a:bodyPr/>
+          <a:lstStyle/>
+          <a:p>
+            <a:pPr/>
+            <a:r>
+              <a:t>Distributed inference with Spark</a:t>
+            </a:r>
+          </a:p>
+        </p:txBody>
+      </p:sp>
+    </p:spTree>
+  </p:cSld>
+  <p:clrMapOvr>
+    <a:masterClrMapping/>
+  </p:clrMapOvr>
+  <p:transition xmlns:p14="http://schemas.microsoft.com/office/powerpoint/2010/main" spd="med" advClick="1"/>
+</p:sld>
+</file>
+
+<file path=ppt/slides/slide10.xml><?xml version="1.0" encoding="utf-8"?>
+<p:sld xmlns:a="http://schemas.openxmlformats.org/drawingml/2006/main" xmlns:r="http://schemas.openxmlformats.org/officeDocument/2006/relationships" xmlns:p="http://schemas.openxmlformats.org/presentationml/2006/main" xmlns:m="http://schemas.openxmlformats.org/officeDocument/2006/math" xmlns:a14="http://schemas.microsoft.com/office/drawing/2010/main" showMasterSp="1" showMasterPhAnim="1">
+  <p:cSld>
+    <p:spTree>
+      <p:nvGrpSpPr>
+        <p:cNvPr id="1" name=""/>
+        <p:cNvGrpSpPr/>
+        <p:nvPr/>
+      </p:nvGrpSpPr>
+      <p:grpSpPr>
+        <a:xfrm>
+          <a:off x="0" y="0"/>
+          <a:ext cx="0" cy="0"/>
+          <a:chOff x="0" y="0"/>
+          <a:chExt cx="0" cy="0"/>
+        </a:xfrm>
+      </p:grpSpPr>
+      <p:sp>
+        <p:nvSpPr>
+          <p:cNvPr id="153" name="Google Shape;235;p32"/>
           <p:cNvSpPr txBox="1"/>
           <p:nvPr>
             <p:ph type="title"/>
@@ -3028,20 +3225,767 @@
         </p:spPr>
         <p:txBody>
           <a:bodyPr/>
-          <a:lstStyle>
-            <a:lvl1pPr algn="ctr"/>
-          </a:lstStyle>
+          <a:lstStyle/>
           <a:p>
             <a:pPr/>
             <a:r>
-              <a:t>Distributed prediction</a:t>
+              <a:t>How does its works</a:t>
             </a:r>
           </a:p>
         </p:txBody>
       </p:sp>
       <p:pic>
         <p:nvPicPr>
-          <p:cNvPr id="119" name="Google Shape;499;p76" descr="Google Shape;499;p76"/>
+          <p:cNvPr id="154" name="Google Shape;236;p32" descr="Google Shape;236;p32"/>
+          <p:cNvPicPr>
+            <a:picLocks noChangeAspect="1"/>
+          </p:cNvPicPr>
+          <p:nvPr/>
+        </p:nvPicPr>
+        <p:blipFill>
+          <a:blip r:embed="rId2">
+            <a:extLst/>
+          </a:blip>
+          <a:stretch>
+            <a:fillRect/>
+          </a:stretch>
+        </p:blipFill>
+        <p:spPr>
+          <a:xfrm>
+            <a:off x="1" y="-342900"/>
+            <a:ext cx="12143363" cy="8588082"/>
+          </a:xfrm>
+          <a:prstGeom prst="rect">
+            <a:avLst/>
+          </a:prstGeom>
+          <a:ln w="12700">
+            <a:miter lim="400000"/>
+          </a:ln>
+        </p:spPr>
+      </p:pic>
+    </p:spTree>
+  </p:cSld>
+  <p:clrMapOvr>
+    <a:masterClrMapping/>
+  </p:clrMapOvr>
+  <p:transition xmlns:p14="http://schemas.microsoft.com/office/powerpoint/2010/main" spd="med" advClick="1"/>
+</p:sld>
+</file>
+
+<file path=ppt/slides/slide11.xml><?xml version="1.0" encoding="utf-8"?>
+<p:sld xmlns:a="http://schemas.openxmlformats.org/drawingml/2006/main" xmlns:r="http://schemas.openxmlformats.org/officeDocument/2006/relationships" xmlns:p="http://schemas.openxmlformats.org/presentationml/2006/main" xmlns:m="http://schemas.openxmlformats.org/officeDocument/2006/math" xmlns:a14="http://schemas.microsoft.com/office/drawing/2010/main" showMasterSp="1" showMasterPhAnim="1">
+  <p:cSld>
+    <p:spTree>
+      <p:nvGrpSpPr>
+        <p:cNvPr id="1" name=""/>
+        <p:cNvGrpSpPr/>
+        <p:nvPr/>
+      </p:nvGrpSpPr>
+      <p:grpSpPr>
+        <a:xfrm>
+          <a:off x="0" y="0"/>
+          <a:ext cx="0" cy="0"/>
+          <a:chOff x="0" y="0"/>
+          <a:chExt cx="0" cy="0"/>
+        </a:xfrm>
+      </p:grpSpPr>
+      <p:sp>
+        <p:nvSpPr>
+          <p:cNvPr id="156" name="Google Shape;241;p33"/>
+          <p:cNvSpPr txBox="1"/>
+          <p:nvPr>
+            <p:ph type="title"/>
+          </p:nvPr>
+        </p:nvSpPr>
+        <p:spPr>
+          <a:xfrm>
+            <a:off x="838200" y="365125"/>
+            <a:ext cx="10515600" cy="1325563"/>
+          </a:xfrm>
+          <a:prstGeom prst="rect">
+            <a:avLst/>
+          </a:prstGeom>
+        </p:spPr>
+        <p:txBody>
+          <a:bodyPr/>
+          <a:lstStyle/>
+          <a:p>
+            <a:pPr/>
+            <a:r>
+              <a:t>How does its works</a:t>
+            </a:r>
+          </a:p>
+        </p:txBody>
+      </p:sp>
+      <p:pic>
+        <p:nvPicPr>
+          <p:cNvPr id="157" name="Google Shape;242;p33" descr="Google Shape;242;p33"/>
+          <p:cNvPicPr>
+            <a:picLocks noChangeAspect="1"/>
+          </p:cNvPicPr>
+          <p:nvPr/>
+        </p:nvPicPr>
+        <p:blipFill>
+          <a:blip r:embed="rId2">
+            <a:extLst/>
+          </a:blip>
+          <a:stretch>
+            <a:fillRect/>
+          </a:stretch>
+        </p:blipFill>
+        <p:spPr>
+          <a:xfrm>
+            <a:off x="1" y="-342900"/>
+            <a:ext cx="12143363" cy="8588082"/>
+          </a:xfrm>
+          <a:prstGeom prst="rect">
+            <a:avLst/>
+          </a:prstGeom>
+          <a:ln w="12700">
+            <a:miter lim="400000"/>
+          </a:ln>
+        </p:spPr>
+      </p:pic>
+    </p:spTree>
+  </p:cSld>
+  <p:clrMapOvr>
+    <a:masterClrMapping/>
+  </p:clrMapOvr>
+  <p:transition xmlns:p14="http://schemas.microsoft.com/office/powerpoint/2010/main" spd="med" advClick="1"/>
+</p:sld>
+</file>
+
+<file path=ppt/slides/slide12.xml><?xml version="1.0" encoding="utf-8"?>
+<p:sld xmlns:a="http://schemas.openxmlformats.org/drawingml/2006/main" xmlns:r="http://schemas.openxmlformats.org/officeDocument/2006/relationships" xmlns:p="http://schemas.openxmlformats.org/presentationml/2006/main" xmlns:m="http://schemas.openxmlformats.org/officeDocument/2006/math" xmlns:a14="http://schemas.microsoft.com/office/drawing/2010/main" showMasterSp="1" showMasterPhAnim="1">
+  <p:cSld>
+    <p:spTree>
+      <p:nvGrpSpPr>
+        <p:cNvPr id="1" name=""/>
+        <p:cNvGrpSpPr/>
+        <p:nvPr/>
+      </p:nvGrpSpPr>
+      <p:grpSpPr>
+        <a:xfrm>
+          <a:off x="0" y="0"/>
+          <a:ext cx="0" cy="0"/>
+          <a:chOff x="0" y="0"/>
+          <a:chExt cx="0" cy="0"/>
+        </a:xfrm>
+      </p:grpSpPr>
+      <p:sp>
+        <p:nvSpPr>
+          <p:cNvPr id="159" name="Google Shape;247;p34"/>
+          <p:cNvSpPr txBox="1"/>
+          <p:nvPr>
+            <p:ph type="title"/>
+          </p:nvPr>
+        </p:nvSpPr>
+        <p:spPr>
+          <a:xfrm>
+            <a:off x="838200" y="365125"/>
+            <a:ext cx="10515600" cy="1325563"/>
+          </a:xfrm>
+          <a:prstGeom prst="rect">
+            <a:avLst/>
+          </a:prstGeom>
+        </p:spPr>
+        <p:txBody>
+          <a:bodyPr/>
+          <a:lstStyle/>
+          <a:p>
+            <a:pPr/>
+            <a:r>
+              <a:t>How does its works</a:t>
+            </a:r>
+          </a:p>
+        </p:txBody>
+      </p:sp>
+      <p:pic>
+        <p:nvPicPr>
+          <p:cNvPr id="160" name="Google Shape;248;p34" descr="Google Shape;248;p34"/>
+          <p:cNvPicPr>
+            <a:picLocks noChangeAspect="1"/>
+          </p:cNvPicPr>
+          <p:nvPr/>
+        </p:nvPicPr>
+        <p:blipFill>
+          <a:blip r:embed="rId2">
+            <a:extLst/>
+          </a:blip>
+          <a:stretch>
+            <a:fillRect/>
+          </a:stretch>
+        </p:blipFill>
+        <p:spPr>
+          <a:xfrm>
+            <a:off x="2" y="-342900"/>
+            <a:ext cx="12143362" cy="8588082"/>
+          </a:xfrm>
+          <a:prstGeom prst="rect">
+            <a:avLst/>
+          </a:prstGeom>
+          <a:ln w="12700">
+            <a:miter lim="400000"/>
+          </a:ln>
+        </p:spPr>
+      </p:pic>
+    </p:spTree>
+  </p:cSld>
+  <p:clrMapOvr>
+    <a:masterClrMapping/>
+  </p:clrMapOvr>
+  <p:transition xmlns:p14="http://schemas.microsoft.com/office/powerpoint/2010/main" spd="med" advClick="1"/>
+</p:sld>
+</file>
+
+<file path=ppt/slides/slide13.xml><?xml version="1.0" encoding="utf-8"?>
+<p:sld xmlns:a="http://schemas.openxmlformats.org/drawingml/2006/main" xmlns:r="http://schemas.openxmlformats.org/officeDocument/2006/relationships" xmlns:p="http://schemas.openxmlformats.org/presentationml/2006/main" xmlns:m="http://schemas.openxmlformats.org/officeDocument/2006/math" xmlns:a14="http://schemas.microsoft.com/office/drawing/2010/main" showMasterSp="1" showMasterPhAnim="1">
+  <p:cSld>
+    <p:spTree>
+      <p:nvGrpSpPr>
+        <p:cNvPr id="1" name=""/>
+        <p:cNvGrpSpPr/>
+        <p:nvPr/>
+      </p:nvGrpSpPr>
+      <p:grpSpPr>
+        <a:xfrm>
+          <a:off x="0" y="0"/>
+          <a:ext cx="0" cy="0"/>
+          <a:chOff x="0" y="0"/>
+          <a:chExt cx="0" cy="0"/>
+        </a:xfrm>
+      </p:grpSpPr>
+      <p:sp>
+        <p:nvSpPr>
+          <p:cNvPr id="162" name="Google Shape;253;p35"/>
+          <p:cNvSpPr txBox="1"/>
+          <p:nvPr>
+            <p:ph type="title"/>
+          </p:nvPr>
+        </p:nvSpPr>
+        <p:spPr>
+          <a:xfrm>
+            <a:off x="838200" y="365125"/>
+            <a:ext cx="10515600" cy="1325563"/>
+          </a:xfrm>
+          <a:prstGeom prst="rect">
+            <a:avLst/>
+          </a:prstGeom>
+        </p:spPr>
+        <p:txBody>
+          <a:bodyPr/>
+          <a:lstStyle/>
+          <a:p>
+            <a:pPr/>
+            <a:r>
+              <a:t>How does its works</a:t>
+            </a:r>
+          </a:p>
+        </p:txBody>
+      </p:sp>
+      <p:pic>
+        <p:nvPicPr>
+          <p:cNvPr id="163" name="Google Shape;254;p35" descr="Google Shape;254;p35"/>
+          <p:cNvPicPr>
+            <a:picLocks noChangeAspect="1"/>
+          </p:cNvPicPr>
+          <p:nvPr/>
+        </p:nvPicPr>
+        <p:blipFill>
+          <a:blip r:embed="rId2">
+            <a:extLst/>
+          </a:blip>
+          <a:stretch>
+            <a:fillRect/>
+          </a:stretch>
+        </p:blipFill>
+        <p:spPr>
+          <a:xfrm>
+            <a:off x="2" y="-342900"/>
+            <a:ext cx="12143362" cy="8588080"/>
+          </a:xfrm>
+          <a:prstGeom prst="rect">
+            <a:avLst/>
+          </a:prstGeom>
+          <a:ln w="12700">
+            <a:miter lim="400000"/>
+          </a:ln>
+        </p:spPr>
+      </p:pic>
+    </p:spTree>
+  </p:cSld>
+  <p:clrMapOvr>
+    <a:masterClrMapping/>
+  </p:clrMapOvr>
+  <p:transition xmlns:p14="http://schemas.microsoft.com/office/powerpoint/2010/main" spd="med" advClick="1"/>
+</p:sld>
+</file>
+
+<file path=ppt/slides/slide14.xml><?xml version="1.0" encoding="utf-8"?>
+<p:sld xmlns:a="http://schemas.openxmlformats.org/drawingml/2006/main" xmlns:r="http://schemas.openxmlformats.org/officeDocument/2006/relationships" xmlns:p="http://schemas.openxmlformats.org/presentationml/2006/main" xmlns:m="http://schemas.openxmlformats.org/officeDocument/2006/math" xmlns:a14="http://schemas.microsoft.com/office/drawing/2010/main" showMasterSp="1" showMasterPhAnim="1">
+  <p:cSld>
+    <p:spTree>
+      <p:nvGrpSpPr>
+        <p:cNvPr id="1" name=""/>
+        <p:cNvGrpSpPr/>
+        <p:nvPr/>
+      </p:nvGrpSpPr>
+      <p:grpSpPr>
+        <a:xfrm>
+          <a:off x="0" y="0"/>
+          <a:ext cx="0" cy="0"/>
+          <a:chOff x="0" y="0"/>
+          <a:chExt cx="0" cy="0"/>
+        </a:xfrm>
+      </p:grpSpPr>
+      <p:sp>
+        <p:nvSpPr>
+          <p:cNvPr id="165" name="Google Shape;259;p36"/>
+          <p:cNvSpPr txBox="1"/>
+          <p:nvPr>
+            <p:ph type="title"/>
+          </p:nvPr>
+        </p:nvSpPr>
+        <p:spPr>
+          <a:xfrm>
+            <a:off x="838200" y="365125"/>
+            <a:ext cx="10515600" cy="1325563"/>
+          </a:xfrm>
+          <a:prstGeom prst="rect">
+            <a:avLst/>
+          </a:prstGeom>
+        </p:spPr>
+        <p:txBody>
+          <a:bodyPr/>
+          <a:lstStyle/>
+          <a:p>
+            <a:pPr/>
+            <a:r>
+              <a:t>How does its works</a:t>
+            </a:r>
+          </a:p>
+        </p:txBody>
+      </p:sp>
+      <p:pic>
+        <p:nvPicPr>
+          <p:cNvPr id="166" name="Google Shape;260;p36" descr="Google Shape;260;p36"/>
+          <p:cNvPicPr>
+            <a:picLocks noChangeAspect="1"/>
+          </p:cNvPicPr>
+          <p:nvPr/>
+        </p:nvPicPr>
+        <p:blipFill>
+          <a:blip r:embed="rId2">
+            <a:extLst/>
+          </a:blip>
+          <a:stretch>
+            <a:fillRect/>
+          </a:stretch>
+        </p:blipFill>
+        <p:spPr>
+          <a:xfrm>
+            <a:off x="2" y="-342900"/>
+            <a:ext cx="12143362" cy="8588080"/>
+          </a:xfrm>
+          <a:prstGeom prst="rect">
+            <a:avLst/>
+          </a:prstGeom>
+          <a:ln w="12700">
+            <a:miter lim="400000"/>
+          </a:ln>
+        </p:spPr>
+      </p:pic>
+    </p:spTree>
+  </p:cSld>
+  <p:clrMapOvr>
+    <a:masterClrMapping/>
+  </p:clrMapOvr>
+  <p:transition xmlns:p14="http://schemas.microsoft.com/office/powerpoint/2010/main" spd="med" advClick="1"/>
+</p:sld>
+</file>
+
+<file path=ppt/slides/slide15.xml><?xml version="1.0" encoding="utf-8"?>
+<p:sld xmlns:a="http://schemas.openxmlformats.org/drawingml/2006/main" xmlns:r="http://schemas.openxmlformats.org/officeDocument/2006/relationships" xmlns:p="http://schemas.openxmlformats.org/presentationml/2006/main" xmlns:m="http://schemas.openxmlformats.org/officeDocument/2006/math" xmlns:a14="http://schemas.microsoft.com/office/drawing/2010/main" showMasterSp="1" showMasterPhAnim="1">
+  <p:cSld>
+    <p:spTree>
+      <p:nvGrpSpPr>
+        <p:cNvPr id="1" name=""/>
+        <p:cNvGrpSpPr/>
+        <p:nvPr/>
+      </p:nvGrpSpPr>
+      <p:grpSpPr>
+        <a:xfrm>
+          <a:off x="0" y="0"/>
+          <a:ext cx="0" cy="0"/>
+          <a:chOff x="0" y="0"/>
+          <a:chExt cx="0" cy="0"/>
+        </a:xfrm>
+      </p:grpSpPr>
+      <p:sp>
+        <p:nvSpPr>
+          <p:cNvPr id="168" name="Google Shape;265;p37"/>
+          <p:cNvSpPr txBox="1"/>
+          <p:nvPr>
+            <p:ph type="title"/>
+          </p:nvPr>
+        </p:nvSpPr>
+        <p:spPr>
+          <a:xfrm>
+            <a:off x="838200" y="365125"/>
+            <a:ext cx="10515600" cy="1325563"/>
+          </a:xfrm>
+          <a:prstGeom prst="rect">
+            <a:avLst/>
+          </a:prstGeom>
+        </p:spPr>
+        <p:txBody>
+          <a:bodyPr/>
+          <a:lstStyle/>
+          <a:p>
+            <a:pPr/>
+            <a:r>
+              <a:t>How does its works</a:t>
+            </a:r>
+          </a:p>
+        </p:txBody>
+      </p:sp>
+      <p:pic>
+        <p:nvPicPr>
+          <p:cNvPr id="169" name="Google Shape;266;p37" descr="Google Shape;266;p37"/>
+          <p:cNvPicPr>
+            <a:picLocks noChangeAspect="1"/>
+          </p:cNvPicPr>
+          <p:nvPr/>
+        </p:nvPicPr>
+        <p:blipFill>
+          <a:blip r:embed="rId2">
+            <a:extLst/>
+          </a:blip>
+          <a:stretch>
+            <a:fillRect/>
+          </a:stretch>
+        </p:blipFill>
+        <p:spPr>
+          <a:xfrm>
+            <a:off x="2" y="-342900"/>
+            <a:ext cx="12143362" cy="8588079"/>
+          </a:xfrm>
+          <a:prstGeom prst="rect">
+            <a:avLst/>
+          </a:prstGeom>
+          <a:ln w="12700">
+            <a:miter lim="400000"/>
+          </a:ln>
+        </p:spPr>
+      </p:pic>
+    </p:spTree>
+  </p:cSld>
+  <p:clrMapOvr>
+    <a:masterClrMapping/>
+  </p:clrMapOvr>
+  <p:transition xmlns:p14="http://schemas.microsoft.com/office/powerpoint/2010/main" spd="med" advClick="1"/>
+</p:sld>
+</file>
+
+<file path=ppt/slides/slide16.xml><?xml version="1.0" encoding="utf-8"?>
+<p:sld xmlns:a="http://schemas.openxmlformats.org/drawingml/2006/main" xmlns:r="http://schemas.openxmlformats.org/officeDocument/2006/relationships" xmlns:p="http://schemas.openxmlformats.org/presentationml/2006/main" xmlns:m="http://schemas.openxmlformats.org/officeDocument/2006/math" xmlns:a14="http://schemas.microsoft.com/office/drawing/2010/main" showMasterSp="1" showMasterPhAnim="1">
+  <p:cSld>
+    <p:spTree>
+      <p:nvGrpSpPr>
+        <p:cNvPr id="1" name=""/>
+        <p:cNvGrpSpPr/>
+        <p:nvPr/>
+      </p:nvGrpSpPr>
+      <p:grpSpPr>
+        <a:xfrm>
+          <a:off x="0" y="0"/>
+          <a:ext cx="0" cy="0"/>
+          <a:chOff x="0" y="0"/>
+          <a:chExt cx="0" cy="0"/>
+        </a:xfrm>
+      </p:grpSpPr>
+      <p:sp>
+        <p:nvSpPr>
+          <p:cNvPr id="171" name="Google Shape;271;p38"/>
+          <p:cNvSpPr txBox="1"/>
+          <p:nvPr>
+            <p:ph type="title"/>
+          </p:nvPr>
+        </p:nvSpPr>
+        <p:spPr>
+          <a:xfrm>
+            <a:off x="838200" y="365125"/>
+            <a:ext cx="10515600" cy="1325563"/>
+          </a:xfrm>
+          <a:prstGeom prst="rect">
+            <a:avLst/>
+          </a:prstGeom>
+        </p:spPr>
+        <p:txBody>
+          <a:bodyPr/>
+          <a:lstStyle/>
+          <a:p>
+            <a:pPr/>
+            <a:r>
+              <a:t>How does its works</a:t>
+            </a:r>
+          </a:p>
+        </p:txBody>
+      </p:sp>
+      <p:pic>
+        <p:nvPicPr>
+          <p:cNvPr id="172" name="Google Shape;272;p38" descr="Google Shape;272;p38"/>
+          <p:cNvPicPr>
+            <a:picLocks noChangeAspect="1"/>
+          </p:cNvPicPr>
+          <p:nvPr/>
+        </p:nvPicPr>
+        <p:blipFill>
+          <a:blip r:embed="rId2">
+            <a:extLst/>
+          </a:blip>
+          <a:stretch>
+            <a:fillRect/>
+          </a:stretch>
+        </p:blipFill>
+        <p:spPr>
+          <a:xfrm>
+            <a:off x="2" y="-342900"/>
+            <a:ext cx="12143362" cy="8588079"/>
+          </a:xfrm>
+          <a:prstGeom prst="rect">
+            <a:avLst/>
+          </a:prstGeom>
+          <a:ln w="12700">
+            <a:miter lim="400000"/>
+          </a:ln>
+        </p:spPr>
+      </p:pic>
+    </p:spTree>
+  </p:cSld>
+  <p:clrMapOvr>
+    <a:masterClrMapping/>
+  </p:clrMapOvr>
+  <p:transition xmlns:p14="http://schemas.microsoft.com/office/powerpoint/2010/main" spd="med" advClick="1"/>
+</p:sld>
+</file>
+
+<file path=ppt/slides/slide17.xml><?xml version="1.0" encoding="utf-8"?>
+<p:sld xmlns:a="http://schemas.openxmlformats.org/drawingml/2006/main" xmlns:r="http://schemas.openxmlformats.org/officeDocument/2006/relationships" xmlns:p="http://schemas.openxmlformats.org/presentationml/2006/main" xmlns:m="http://schemas.openxmlformats.org/officeDocument/2006/math" xmlns:a14="http://schemas.microsoft.com/office/drawing/2010/main" showMasterSp="1" showMasterPhAnim="1">
+  <p:cSld>
+    <p:spTree>
+      <p:nvGrpSpPr>
+        <p:cNvPr id="1" name=""/>
+        <p:cNvGrpSpPr/>
+        <p:nvPr/>
+      </p:nvGrpSpPr>
+      <p:grpSpPr>
+        <a:xfrm>
+          <a:off x="0" y="0"/>
+          <a:ext cx="0" cy="0"/>
+          <a:chOff x="0" y="0"/>
+          <a:chExt cx="0" cy="0"/>
+        </a:xfrm>
+      </p:grpSpPr>
+      <p:sp>
+        <p:nvSpPr>
+          <p:cNvPr id="174" name="Google Shape;277;p39"/>
+          <p:cNvSpPr txBox="1"/>
+          <p:nvPr>
+            <p:ph type="title"/>
+          </p:nvPr>
+        </p:nvSpPr>
+        <p:spPr>
+          <a:xfrm>
+            <a:off x="838200" y="365125"/>
+            <a:ext cx="10515600" cy="1325563"/>
+          </a:xfrm>
+          <a:prstGeom prst="rect">
+            <a:avLst/>
+          </a:prstGeom>
+        </p:spPr>
+        <p:txBody>
+          <a:bodyPr/>
+          <a:lstStyle/>
+          <a:p>
+            <a:pPr/>
+            <a:r>
+              <a:t>How does its works</a:t>
+            </a:r>
+          </a:p>
+        </p:txBody>
+      </p:sp>
+      <p:pic>
+        <p:nvPicPr>
+          <p:cNvPr id="175" name="Google Shape;278;p39" descr="Google Shape;278;p39"/>
+          <p:cNvPicPr>
+            <a:picLocks noChangeAspect="1"/>
+          </p:cNvPicPr>
+          <p:nvPr/>
+        </p:nvPicPr>
+        <p:blipFill>
+          <a:blip r:embed="rId2">
+            <a:extLst/>
+          </a:blip>
+          <a:stretch>
+            <a:fillRect/>
+          </a:stretch>
+        </p:blipFill>
+        <p:spPr>
+          <a:xfrm>
+            <a:off x="2" y="-342900"/>
+            <a:ext cx="12143362" cy="8588079"/>
+          </a:xfrm>
+          <a:prstGeom prst="rect">
+            <a:avLst/>
+          </a:prstGeom>
+          <a:ln w="12700">
+            <a:miter lim="400000"/>
+          </a:ln>
+        </p:spPr>
+      </p:pic>
+    </p:spTree>
+  </p:cSld>
+  <p:clrMapOvr>
+    <a:masterClrMapping/>
+  </p:clrMapOvr>
+  <p:transition xmlns:p14="http://schemas.microsoft.com/office/powerpoint/2010/main" spd="med" advClick="1"/>
+</p:sld>
+</file>
+
+<file path=ppt/slides/slide18.xml><?xml version="1.0" encoding="utf-8"?>
+<p:sld xmlns:a="http://schemas.openxmlformats.org/drawingml/2006/main" xmlns:r="http://schemas.openxmlformats.org/officeDocument/2006/relationships" xmlns:p="http://schemas.openxmlformats.org/presentationml/2006/main" xmlns:m="http://schemas.openxmlformats.org/officeDocument/2006/math" xmlns:a14="http://schemas.microsoft.com/office/drawing/2010/main" showMasterSp="1" showMasterPhAnim="1">
+  <p:cSld>
+    <p:spTree>
+      <p:nvGrpSpPr>
+        <p:cNvPr id="1" name=""/>
+        <p:cNvGrpSpPr/>
+        <p:nvPr/>
+      </p:nvGrpSpPr>
+      <p:grpSpPr>
+        <a:xfrm>
+          <a:off x="0" y="0"/>
+          <a:ext cx="0" cy="0"/>
+          <a:chOff x="0" y="0"/>
+          <a:chExt cx="0" cy="0"/>
+        </a:xfrm>
+      </p:grpSpPr>
+      <p:sp>
+        <p:nvSpPr>
+          <p:cNvPr id="177" name="Google Shape;283;p40"/>
+          <p:cNvSpPr txBox="1"/>
+          <p:nvPr>
+            <p:ph type="title"/>
+          </p:nvPr>
+        </p:nvSpPr>
+        <p:spPr>
+          <a:xfrm>
+            <a:off x="838200" y="365125"/>
+            <a:ext cx="10515600" cy="1325563"/>
+          </a:xfrm>
+          <a:prstGeom prst="rect">
+            <a:avLst/>
+          </a:prstGeom>
+        </p:spPr>
+        <p:txBody>
+          <a:bodyPr/>
+          <a:lstStyle/>
+          <a:p>
+            <a:pPr/>
+            <a:r>
+              <a:t>How does its works</a:t>
+            </a:r>
+          </a:p>
+        </p:txBody>
+      </p:sp>
+      <p:pic>
+        <p:nvPicPr>
+          <p:cNvPr id="178" name="Google Shape;284;p40" descr="Google Shape;284;p40"/>
+          <p:cNvPicPr>
+            <a:picLocks noChangeAspect="1"/>
+          </p:cNvPicPr>
+          <p:nvPr/>
+        </p:nvPicPr>
+        <p:blipFill>
+          <a:blip r:embed="rId2">
+            <a:extLst/>
+          </a:blip>
+          <a:stretch>
+            <a:fillRect/>
+          </a:stretch>
+        </p:blipFill>
+        <p:spPr>
+          <a:xfrm>
+            <a:off x="2" y="-342900"/>
+            <a:ext cx="12143359" cy="8588079"/>
+          </a:xfrm>
+          <a:prstGeom prst="rect">
+            <a:avLst/>
+          </a:prstGeom>
+          <a:ln w="12700">
+            <a:miter lim="400000"/>
+          </a:ln>
+        </p:spPr>
+      </p:pic>
+    </p:spTree>
+  </p:cSld>
+  <p:clrMapOvr>
+    <a:masterClrMapping/>
+  </p:clrMapOvr>
+  <p:transition xmlns:p14="http://schemas.microsoft.com/office/powerpoint/2010/main" spd="med" advClick="1"/>
+</p:sld>
+</file>
+
+<file path=ppt/slides/slide19.xml><?xml version="1.0" encoding="utf-8"?>
+<p:sld xmlns:a="http://schemas.openxmlformats.org/drawingml/2006/main" xmlns:r="http://schemas.openxmlformats.org/officeDocument/2006/relationships" xmlns:p="http://schemas.openxmlformats.org/presentationml/2006/main" xmlns:m="http://schemas.openxmlformats.org/officeDocument/2006/math" xmlns:a14="http://schemas.microsoft.com/office/drawing/2010/main" showMasterSp="1" showMasterPhAnim="1">
+  <p:cSld>
+    <p:spTree>
+      <p:nvGrpSpPr>
+        <p:cNvPr id="1" name=""/>
+        <p:cNvGrpSpPr/>
+        <p:nvPr/>
+      </p:nvGrpSpPr>
+      <p:grpSpPr>
+        <a:xfrm>
+          <a:off x="0" y="0"/>
+          <a:ext cx="0" cy="0"/>
+          <a:chOff x="0" y="0"/>
+          <a:chExt cx="0" cy="0"/>
+        </a:xfrm>
+      </p:grpSpPr>
+      <p:sp>
+        <p:nvSpPr>
+          <p:cNvPr id="180" name="Google Shape;498;p76"/>
+          <p:cNvSpPr txBox="1"/>
+          <p:nvPr>
+            <p:ph type="title"/>
+          </p:nvPr>
+        </p:nvSpPr>
+        <p:spPr>
+          <a:xfrm>
+            <a:off x="838200" y="365125"/>
+            <a:ext cx="10515600" cy="1325563"/>
+          </a:xfrm>
+          <a:prstGeom prst="rect">
+            <a:avLst/>
+          </a:prstGeom>
+        </p:spPr>
+        <p:txBody>
+          <a:bodyPr/>
+          <a:lstStyle>
+            <a:lvl1pPr algn="ctr"/>
+          </a:lstStyle>
+          <a:p>
+            <a:pPr/>
+            <a:r>
+              <a:t>Distributed prediction</a:t>
+            </a:r>
+          </a:p>
+        </p:txBody>
+      </p:sp>
+      <p:pic>
+        <p:nvPicPr>
+          <p:cNvPr id="181" name="Google Shape;499;p76" descr="Google Shape;499;p76"/>
           <p:cNvPicPr>
             <a:picLocks noChangeAspect="1"/>
           </p:cNvPicPr>
@@ -3096,7 +4040,7 @@
       </p:grpSpPr>
       <p:sp>
         <p:nvSpPr>
-          <p:cNvPr id="121" name="Google Shape;504;p77"/>
+          <p:cNvPr id="129" name="Google Shape;187;p24"/>
           <p:cNvSpPr txBox="1"/>
           <p:nvPr>
             <p:ph type="title"/>
@@ -3113,20 +4057,18 @@
         </p:spPr>
         <p:txBody>
           <a:bodyPr/>
-          <a:lstStyle>
-            <a:lvl1pPr algn="ctr"/>
-          </a:lstStyle>
+          <a:lstStyle/>
           <a:p>
             <a:pPr/>
             <a:r>
-              <a:t>Distributed prediction</a:t>
+              <a:t>How does its works</a:t>
             </a:r>
           </a:p>
         </p:txBody>
       </p:sp>
       <p:pic>
         <p:nvPicPr>
-          <p:cNvPr id="122" name="Google Shape;505;p77" descr="Google Shape;505;p77"/>
+          <p:cNvPr id="130" name="Google Shape;188;p24" descr="Google Shape;188;p24"/>
           <p:cNvPicPr>
             <a:picLocks noChangeAspect="1"/>
           </p:cNvPicPr>
@@ -3142,8 +4084,518 @@
         </p:blipFill>
         <p:spPr>
           <a:xfrm>
+            <a:off x="0" y="-342900"/>
+            <a:ext cx="12143369" cy="8588086"/>
+          </a:xfrm>
+          <a:prstGeom prst="rect">
+            <a:avLst/>
+          </a:prstGeom>
+          <a:ln w="12700">
+            <a:miter lim="400000"/>
+          </a:ln>
+        </p:spPr>
+      </p:pic>
+    </p:spTree>
+  </p:cSld>
+  <p:clrMapOvr>
+    <a:masterClrMapping/>
+  </p:clrMapOvr>
+  <p:transition xmlns:p14="http://schemas.microsoft.com/office/powerpoint/2010/main" spd="med" advClick="1"/>
+</p:sld>
+</file>
+
+<file path=ppt/slides/slide20.xml><?xml version="1.0" encoding="utf-8"?>
+<p:sld xmlns:a="http://schemas.openxmlformats.org/drawingml/2006/main" xmlns:r="http://schemas.openxmlformats.org/officeDocument/2006/relationships" xmlns:p="http://schemas.openxmlformats.org/presentationml/2006/main" xmlns:m="http://schemas.openxmlformats.org/officeDocument/2006/math" xmlns:a14="http://schemas.microsoft.com/office/drawing/2010/main" showMasterSp="1" showMasterPhAnim="1">
+  <p:cSld>
+    <p:spTree>
+      <p:nvGrpSpPr>
+        <p:cNvPr id="1" name=""/>
+        <p:cNvGrpSpPr/>
+        <p:nvPr/>
+      </p:nvGrpSpPr>
+      <p:grpSpPr>
+        <a:xfrm>
+          <a:off x="0" y="0"/>
+          <a:ext cx="0" cy="0"/>
+          <a:chOff x="0" y="0"/>
+          <a:chExt cx="0" cy="0"/>
+        </a:xfrm>
+      </p:grpSpPr>
+      <p:sp>
+        <p:nvSpPr>
+          <p:cNvPr id="183" name="Google Shape;504;p77"/>
+          <p:cNvSpPr txBox="1"/>
+          <p:nvPr>
+            <p:ph type="title"/>
+          </p:nvPr>
+        </p:nvSpPr>
+        <p:spPr>
+          <a:xfrm>
+            <a:off x="838200" y="365125"/>
+            <a:ext cx="10515600" cy="1325563"/>
+          </a:xfrm>
+          <a:prstGeom prst="rect">
+            <a:avLst/>
+          </a:prstGeom>
+        </p:spPr>
+        <p:txBody>
+          <a:bodyPr/>
+          <a:lstStyle>
+            <a:lvl1pPr algn="ctr"/>
+          </a:lstStyle>
+          <a:p>
+            <a:pPr/>
+            <a:r>
+              <a:t>Distributed prediction</a:t>
+            </a:r>
+          </a:p>
+        </p:txBody>
+      </p:sp>
+      <p:pic>
+        <p:nvPicPr>
+          <p:cNvPr id="184" name="Google Shape;505;p77" descr="Google Shape;505;p77"/>
+          <p:cNvPicPr>
+            <a:picLocks noChangeAspect="1"/>
+          </p:cNvPicPr>
+          <p:nvPr/>
+        </p:nvPicPr>
+        <p:blipFill>
+          <a:blip r:embed="rId2">
+            <a:extLst/>
+          </a:blip>
+          <a:stretch>
+            <a:fillRect/>
+          </a:stretch>
+        </p:blipFill>
+        <p:spPr>
+          <a:xfrm>
             <a:off x="2133600" y="1512197"/>
             <a:ext cx="7737783" cy="5151112"/>
+          </a:xfrm>
+          <a:prstGeom prst="rect">
+            <a:avLst/>
+          </a:prstGeom>
+          <a:ln w="12700">
+            <a:miter lim="400000"/>
+          </a:ln>
+        </p:spPr>
+      </p:pic>
+    </p:spTree>
+  </p:cSld>
+  <p:clrMapOvr>
+    <a:masterClrMapping/>
+  </p:clrMapOvr>
+  <p:transition xmlns:p14="http://schemas.microsoft.com/office/powerpoint/2010/main" spd="med" advClick="1"/>
+</p:sld>
+</file>
+
+<file path=ppt/slides/slide21.xml><?xml version="1.0" encoding="utf-8"?>
+<p:sld xmlns:a="http://schemas.openxmlformats.org/drawingml/2006/main" xmlns:r="http://schemas.openxmlformats.org/officeDocument/2006/relationships" xmlns:p="http://schemas.openxmlformats.org/presentationml/2006/main" xmlns:m="http://schemas.openxmlformats.org/officeDocument/2006/math" xmlns:a14="http://schemas.microsoft.com/office/drawing/2010/main" showMasterSp="1" showMasterPhAnim="1">
+  <p:cSld>
+    <p:spTree>
+      <p:nvGrpSpPr>
+        <p:cNvPr id="1" name=""/>
+        <p:cNvGrpSpPr/>
+        <p:nvPr/>
+      </p:nvGrpSpPr>
+      <p:grpSpPr>
+        <a:xfrm>
+          <a:off x="0" y="0"/>
+          <a:ext cx="0" cy="0"/>
+          <a:chOff x="0" y="0"/>
+          <a:chExt cx="0" cy="0"/>
+        </a:xfrm>
+      </p:grpSpPr>
+      <p:sp>
+        <p:nvSpPr>
+          <p:cNvPr id="186" name="Google Shape;510;p78"/>
+          <p:cNvSpPr txBox="1"/>
+          <p:nvPr>
+            <p:ph type="title"/>
+          </p:nvPr>
+        </p:nvSpPr>
+        <p:spPr>
+          <a:xfrm>
+            <a:off x="838200" y="365125"/>
+            <a:ext cx="10515600" cy="1325563"/>
+          </a:xfrm>
+          <a:prstGeom prst="rect">
+            <a:avLst/>
+          </a:prstGeom>
+        </p:spPr>
+        <p:txBody>
+          <a:bodyPr/>
+          <a:lstStyle>
+            <a:lvl1pPr algn="ctr"/>
+          </a:lstStyle>
+          <a:p>
+            <a:pPr/>
+            <a:r>
+              <a:t>Distributed prediction</a:t>
+            </a:r>
+          </a:p>
+        </p:txBody>
+      </p:sp>
+      <p:pic>
+        <p:nvPicPr>
+          <p:cNvPr id="187" name="Google Shape;511;p78" descr="Google Shape;511;p78"/>
+          <p:cNvPicPr>
+            <a:picLocks noChangeAspect="1"/>
+          </p:cNvPicPr>
+          <p:nvPr/>
+        </p:nvPicPr>
+        <p:blipFill>
+          <a:blip r:embed="rId2">
+            <a:extLst/>
+          </a:blip>
+          <a:stretch>
+            <a:fillRect/>
+          </a:stretch>
+        </p:blipFill>
+        <p:spPr>
+          <a:xfrm>
+            <a:off x="2133600" y="1512197"/>
+            <a:ext cx="7737783" cy="5151112"/>
+          </a:xfrm>
+          <a:prstGeom prst="rect">
+            <a:avLst/>
+          </a:prstGeom>
+          <a:ln w="12700">
+            <a:miter lim="400000"/>
+          </a:ln>
+        </p:spPr>
+      </p:pic>
+    </p:spTree>
+  </p:cSld>
+  <p:clrMapOvr>
+    <a:masterClrMapping/>
+  </p:clrMapOvr>
+  <p:transition xmlns:p14="http://schemas.microsoft.com/office/powerpoint/2010/main" spd="med" advClick="1"/>
+</p:sld>
+</file>
+
+<file path=ppt/slides/slide22.xml><?xml version="1.0" encoding="utf-8"?>
+<p:sld xmlns:a="http://schemas.openxmlformats.org/drawingml/2006/main" xmlns:r="http://schemas.openxmlformats.org/officeDocument/2006/relationships" xmlns:p="http://schemas.openxmlformats.org/presentationml/2006/main" xmlns:m="http://schemas.openxmlformats.org/officeDocument/2006/math" xmlns:a14="http://schemas.microsoft.com/office/drawing/2010/main" showMasterSp="1" showMasterPhAnim="1">
+  <p:cSld>
+    <p:spTree>
+      <p:nvGrpSpPr>
+        <p:cNvPr id="1" name=""/>
+        <p:cNvGrpSpPr/>
+        <p:nvPr/>
+      </p:nvGrpSpPr>
+      <p:grpSpPr>
+        <a:xfrm>
+          <a:off x="0" y="0"/>
+          <a:ext cx="0" cy="0"/>
+          <a:chOff x="0" y="0"/>
+          <a:chExt cx="0" cy="0"/>
+        </a:xfrm>
+      </p:grpSpPr>
+      <p:sp>
+        <p:nvSpPr>
+          <p:cNvPr id="189" name="Google Shape;516;p79"/>
+          <p:cNvSpPr txBox="1"/>
+          <p:nvPr>
+            <p:ph type="title"/>
+          </p:nvPr>
+        </p:nvSpPr>
+        <p:spPr>
+          <a:xfrm>
+            <a:off x="838200" y="365125"/>
+            <a:ext cx="10515600" cy="1325563"/>
+          </a:xfrm>
+          <a:prstGeom prst="rect">
+            <a:avLst/>
+          </a:prstGeom>
+        </p:spPr>
+        <p:txBody>
+          <a:bodyPr/>
+          <a:lstStyle>
+            <a:lvl1pPr algn="ctr"/>
+          </a:lstStyle>
+          <a:p>
+            <a:pPr/>
+            <a:r>
+              <a:t>Distributed prediction</a:t>
+            </a:r>
+          </a:p>
+        </p:txBody>
+      </p:sp>
+      <p:pic>
+        <p:nvPicPr>
+          <p:cNvPr id="190" name="Google Shape;517;p79" descr="Google Shape;517;p79"/>
+          <p:cNvPicPr>
+            <a:picLocks noChangeAspect="1"/>
+          </p:cNvPicPr>
+          <p:nvPr/>
+        </p:nvPicPr>
+        <p:blipFill>
+          <a:blip r:embed="rId2">
+            <a:extLst/>
+          </a:blip>
+          <a:stretch>
+            <a:fillRect/>
+          </a:stretch>
+        </p:blipFill>
+        <p:spPr>
+          <a:xfrm>
+            <a:off x="2133600" y="1512197"/>
+            <a:ext cx="7737782" cy="5151112"/>
+          </a:xfrm>
+          <a:prstGeom prst="rect">
+            <a:avLst/>
+          </a:prstGeom>
+          <a:ln w="12700">
+            <a:miter lim="400000"/>
+          </a:ln>
+        </p:spPr>
+      </p:pic>
+    </p:spTree>
+  </p:cSld>
+  <p:clrMapOvr>
+    <a:masterClrMapping/>
+  </p:clrMapOvr>
+  <p:transition xmlns:p14="http://schemas.microsoft.com/office/powerpoint/2010/main" spd="med" advClick="1"/>
+</p:sld>
+</file>
+
+<file path=ppt/slides/slide23.xml><?xml version="1.0" encoding="utf-8"?>
+<p:sld xmlns:a="http://schemas.openxmlformats.org/drawingml/2006/main" xmlns:r="http://schemas.openxmlformats.org/officeDocument/2006/relationships" xmlns:p="http://schemas.openxmlformats.org/presentationml/2006/main" xmlns:m="http://schemas.openxmlformats.org/officeDocument/2006/math" xmlns:a14="http://schemas.microsoft.com/office/drawing/2010/main" showMasterSp="1" showMasterPhAnim="1">
+  <p:cSld>
+    <p:spTree>
+      <p:nvGrpSpPr>
+        <p:cNvPr id="1" name=""/>
+        <p:cNvGrpSpPr/>
+        <p:nvPr/>
+      </p:nvGrpSpPr>
+      <p:grpSpPr>
+        <a:xfrm>
+          <a:off x="0" y="0"/>
+          <a:ext cx="0" cy="0"/>
+          <a:chOff x="0" y="0"/>
+          <a:chExt cx="0" cy="0"/>
+        </a:xfrm>
+      </p:grpSpPr>
+      <p:sp>
+        <p:nvSpPr>
+          <p:cNvPr id="192" name="Google Shape;522;p80"/>
+          <p:cNvSpPr txBox="1"/>
+          <p:nvPr>
+            <p:ph type="title"/>
+          </p:nvPr>
+        </p:nvSpPr>
+        <p:spPr>
+          <a:xfrm>
+            <a:off x="838200" y="365125"/>
+            <a:ext cx="10515600" cy="1325563"/>
+          </a:xfrm>
+          <a:prstGeom prst="rect">
+            <a:avLst/>
+          </a:prstGeom>
+        </p:spPr>
+        <p:txBody>
+          <a:bodyPr/>
+          <a:lstStyle>
+            <a:lvl1pPr algn="ctr"/>
+          </a:lstStyle>
+          <a:p>
+            <a:pPr/>
+            <a:r>
+              <a:t>Distributed prediction</a:t>
+            </a:r>
+          </a:p>
+        </p:txBody>
+      </p:sp>
+      <p:pic>
+        <p:nvPicPr>
+          <p:cNvPr id="193" name="Google Shape;523;p80" descr="Google Shape;523;p80"/>
+          <p:cNvPicPr>
+            <a:picLocks noChangeAspect="1"/>
+          </p:cNvPicPr>
+          <p:nvPr/>
+        </p:nvPicPr>
+        <p:blipFill>
+          <a:blip r:embed="rId2">
+            <a:extLst/>
+          </a:blip>
+          <a:stretch>
+            <a:fillRect/>
+          </a:stretch>
+        </p:blipFill>
+        <p:spPr>
+          <a:xfrm>
+            <a:off x="2133600" y="1512197"/>
+            <a:ext cx="7737782" cy="5151109"/>
+          </a:xfrm>
+          <a:prstGeom prst="rect">
+            <a:avLst/>
+          </a:prstGeom>
+          <a:ln w="12700">
+            <a:miter lim="400000"/>
+          </a:ln>
+        </p:spPr>
+      </p:pic>
+    </p:spTree>
+  </p:cSld>
+  <p:clrMapOvr>
+    <a:masterClrMapping/>
+  </p:clrMapOvr>
+  <p:transition xmlns:p14="http://schemas.microsoft.com/office/powerpoint/2010/main" spd="med" advClick="1"/>
+</p:sld>
+</file>
+
+<file path=ppt/slides/slide24.xml><?xml version="1.0" encoding="utf-8"?>
+<p:sld xmlns:a="http://schemas.openxmlformats.org/drawingml/2006/main" xmlns:r="http://schemas.openxmlformats.org/officeDocument/2006/relationships" xmlns:p="http://schemas.openxmlformats.org/presentationml/2006/main" xmlns:m="http://schemas.openxmlformats.org/officeDocument/2006/math" xmlns:a14="http://schemas.microsoft.com/office/drawing/2010/main" showMasterSp="1" showMasterPhAnim="1">
+  <p:cSld>
+    <p:spTree>
+      <p:nvGrpSpPr>
+        <p:cNvPr id="1" name=""/>
+        <p:cNvGrpSpPr/>
+        <p:nvPr/>
+      </p:nvGrpSpPr>
+      <p:grpSpPr>
+        <a:xfrm>
+          <a:off x="0" y="0"/>
+          <a:ext cx="0" cy="0"/>
+          <a:chOff x="0" y="0"/>
+          <a:chExt cx="0" cy="0"/>
+        </a:xfrm>
+      </p:grpSpPr>
+      <p:sp>
+        <p:nvSpPr>
+          <p:cNvPr id="195" name="Google Shape;528;p81"/>
+          <p:cNvSpPr txBox="1"/>
+          <p:nvPr>
+            <p:ph type="title"/>
+          </p:nvPr>
+        </p:nvSpPr>
+        <p:spPr>
+          <a:xfrm>
+            <a:off x="838200" y="365125"/>
+            <a:ext cx="10515600" cy="1325563"/>
+          </a:xfrm>
+          <a:prstGeom prst="rect">
+            <a:avLst/>
+          </a:prstGeom>
+        </p:spPr>
+        <p:txBody>
+          <a:bodyPr/>
+          <a:lstStyle>
+            <a:lvl1pPr algn="ctr"/>
+          </a:lstStyle>
+          <a:p>
+            <a:pPr/>
+            <a:r>
+              <a:t>Distributed prediction</a:t>
+            </a:r>
+          </a:p>
+        </p:txBody>
+      </p:sp>
+      <p:pic>
+        <p:nvPicPr>
+          <p:cNvPr id="196" name="Google Shape;529;p81" descr="Google Shape;529;p81"/>
+          <p:cNvPicPr>
+            <a:picLocks noChangeAspect="1"/>
+          </p:cNvPicPr>
+          <p:nvPr/>
+        </p:nvPicPr>
+        <p:blipFill>
+          <a:blip r:embed="rId2">
+            <a:extLst/>
+          </a:blip>
+          <a:stretch>
+            <a:fillRect/>
+          </a:stretch>
+        </p:blipFill>
+        <p:spPr>
+          <a:xfrm>
+            <a:off x="2133600" y="1512197"/>
+            <a:ext cx="7737782" cy="5151109"/>
+          </a:xfrm>
+          <a:prstGeom prst="rect">
+            <a:avLst/>
+          </a:prstGeom>
+          <a:ln w="12700">
+            <a:miter lim="400000"/>
+          </a:ln>
+        </p:spPr>
+      </p:pic>
+    </p:spTree>
+  </p:cSld>
+  <p:clrMapOvr>
+    <a:masterClrMapping/>
+  </p:clrMapOvr>
+  <p:transition xmlns:p14="http://schemas.microsoft.com/office/powerpoint/2010/main" spd="med" advClick="1"/>
+</p:sld>
+</file>
+
+<file path=ppt/slides/slide25.xml><?xml version="1.0" encoding="utf-8"?>
+<p:sld xmlns:a="http://schemas.openxmlformats.org/drawingml/2006/main" xmlns:r="http://schemas.openxmlformats.org/officeDocument/2006/relationships" xmlns:p="http://schemas.openxmlformats.org/presentationml/2006/main" xmlns:m="http://schemas.openxmlformats.org/officeDocument/2006/math" xmlns:a14="http://schemas.microsoft.com/office/drawing/2010/main" showMasterSp="1" showMasterPhAnim="1">
+  <p:cSld>
+    <p:spTree>
+      <p:nvGrpSpPr>
+        <p:cNvPr id="1" name=""/>
+        <p:cNvGrpSpPr/>
+        <p:nvPr/>
+      </p:nvGrpSpPr>
+      <p:grpSpPr>
+        <a:xfrm>
+          <a:off x="0" y="0"/>
+          <a:ext cx="0" cy="0"/>
+          <a:chOff x="0" y="0"/>
+          <a:chExt cx="0" cy="0"/>
+        </a:xfrm>
+      </p:grpSpPr>
+      <p:sp>
+        <p:nvSpPr>
+          <p:cNvPr id="198" name="Google Shape;534;p82"/>
+          <p:cNvSpPr txBox="1"/>
+          <p:nvPr>
+            <p:ph type="title"/>
+          </p:nvPr>
+        </p:nvSpPr>
+        <p:spPr>
+          <a:xfrm>
+            <a:off x="838200" y="365125"/>
+            <a:ext cx="10515600" cy="1325563"/>
+          </a:xfrm>
+          <a:prstGeom prst="rect">
+            <a:avLst/>
+          </a:prstGeom>
+        </p:spPr>
+        <p:txBody>
+          <a:bodyPr/>
+          <a:lstStyle>
+            <a:lvl1pPr algn="ctr"/>
+          </a:lstStyle>
+          <a:p>
+            <a:pPr/>
+            <a:r>
+              <a:t>Distributed prediction</a:t>
+            </a:r>
+          </a:p>
+        </p:txBody>
+      </p:sp>
+      <p:pic>
+        <p:nvPicPr>
+          <p:cNvPr id="199" name="Google Shape;535;p82" descr="Google Shape;535;p82"/>
+          <p:cNvPicPr>
+            <a:picLocks noChangeAspect="1"/>
+          </p:cNvPicPr>
+          <p:nvPr/>
+        </p:nvPicPr>
+        <p:blipFill>
+          <a:blip r:embed="rId2">
+            <a:extLst/>
+          </a:blip>
+          <a:stretch>
+            <a:fillRect/>
+          </a:stretch>
+        </p:blipFill>
+        <p:spPr>
+          <a:xfrm>
+            <a:off x="2133600" y="1512197"/>
+            <a:ext cx="7737782" cy="5151109"/>
           </a:xfrm>
           <a:prstGeom prst="rect">
             <a:avLst/>
@@ -3181,7 +4633,7 @@
       </p:grpSpPr>
       <p:sp>
         <p:nvSpPr>
-          <p:cNvPr id="124" name="Google Shape;510;p78"/>
+          <p:cNvPr id="132" name="Google Shape;193;p25"/>
           <p:cNvSpPr txBox="1"/>
           <p:nvPr>
             <p:ph type="title"/>
@@ -3198,20 +4650,18 @@
         </p:spPr>
         <p:txBody>
           <a:bodyPr/>
-          <a:lstStyle>
-            <a:lvl1pPr algn="ctr"/>
-          </a:lstStyle>
+          <a:lstStyle/>
           <a:p>
             <a:pPr/>
             <a:r>
-              <a:t>Distributed prediction</a:t>
+              <a:t>How does its works</a:t>
             </a:r>
           </a:p>
         </p:txBody>
       </p:sp>
       <p:pic>
         <p:nvPicPr>
-          <p:cNvPr id="125" name="Google Shape;511;p78" descr="Google Shape;511;p78"/>
+          <p:cNvPr id="133" name="Google Shape;194;p25" descr="Google Shape;194;p25"/>
           <p:cNvPicPr>
             <a:picLocks noChangeAspect="1"/>
           </p:cNvPicPr>
@@ -3227,8 +4677,8 @@
         </p:blipFill>
         <p:spPr>
           <a:xfrm>
-            <a:off x="2133600" y="1512197"/>
-            <a:ext cx="7737783" cy="5151112"/>
+            <a:off x="0" y="-342900"/>
+            <a:ext cx="12143369" cy="8588086"/>
           </a:xfrm>
           <a:prstGeom prst="rect">
             <a:avLst/>
@@ -3266,7 +4716,7 @@
       </p:grpSpPr>
       <p:sp>
         <p:nvSpPr>
-          <p:cNvPr id="127" name="Google Shape;516;p79"/>
+          <p:cNvPr id="135" name="Google Shape;199;p26"/>
           <p:cNvSpPr txBox="1"/>
           <p:nvPr>
             <p:ph type="title"/>
@@ -3283,20 +4733,18 @@
         </p:spPr>
         <p:txBody>
           <a:bodyPr/>
-          <a:lstStyle>
-            <a:lvl1pPr algn="ctr"/>
-          </a:lstStyle>
+          <a:lstStyle/>
           <a:p>
             <a:pPr/>
             <a:r>
-              <a:t>Distributed prediction</a:t>
+              <a:t>How does its works</a:t>
             </a:r>
           </a:p>
         </p:txBody>
       </p:sp>
       <p:pic>
         <p:nvPicPr>
-          <p:cNvPr id="128" name="Google Shape;517;p79" descr="Google Shape;517;p79"/>
+          <p:cNvPr id="136" name="Google Shape;200;p26" descr="Google Shape;200;p26"/>
           <p:cNvPicPr>
             <a:picLocks noChangeAspect="1"/>
           </p:cNvPicPr>
@@ -3312,8 +4760,8 @@
         </p:blipFill>
         <p:spPr>
           <a:xfrm>
-            <a:off x="2133600" y="1512197"/>
-            <a:ext cx="7737782" cy="5151112"/>
+            <a:off x="0" y="-342900"/>
+            <a:ext cx="12143369" cy="8588086"/>
           </a:xfrm>
           <a:prstGeom prst="rect">
             <a:avLst/>
@@ -3351,7 +4799,7 @@
       </p:grpSpPr>
       <p:sp>
         <p:nvSpPr>
-          <p:cNvPr id="130" name="Google Shape;522;p80"/>
+          <p:cNvPr id="138" name="Google Shape;205;p27"/>
           <p:cNvSpPr txBox="1"/>
           <p:nvPr>
             <p:ph type="title"/>
@@ -3368,20 +4816,18 @@
         </p:spPr>
         <p:txBody>
           <a:bodyPr/>
-          <a:lstStyle>
-            <a:lvl1pPr algn="ctr"/>
-          </a:lstStyle>
+          <a:lstStyle/>
           <a:p>
             <a:pPr/>
             <a:r>
-              <a:t>Distributed prediction</a:t>
+              <a:t>How does its works</a:t>
             </a:r>
           </a:p>
         </p:txBody>
       </p:sp>
       <p:pic>
         <p:nvPicPr>
-          <p:cNvPr id="131" name="Google Shape;523;p80" descr="Google Shape;523;p80"/>
+          <p:cNvPr id="139" name="Google Shape;206;p27" descr="Google Shape;206;p27"/>
           <p:cNvPicPr>
             <a:picLocks noChangeAspect="1"/>
           </p:cNvPicPr>
@@ -3397,8 +4843,8 @@
         </p:blipFill>
         <p:spPr>
           <a:xfrm>
-            <a:off x="2133600" y="1512197"/>
-            <a:ext cx="7737782" cy="5151109"/>
+            <a:off x="0" y="-342900"/>
+            <a:ext cx="12143369" cy="8588086"/>
           </a:xfrm>
           <a:prstGeom prst="rect">
             <a:avLst/>
@@ -3436,7 +4882,7 @@
       </p:grpSpPr>
       <p:sp>
         <p:nvSpPr>
-          <p:cNvPr id="133" name="Google Shape;528;p81"/>
+          <p:cNvPr id="141" name="Google Shape;211;p28"/>
           <p:cNvSpPr txBox="1"/>
           <p:nvPr>
             <p:ph type="title"/>
@@ -3453,20 +4899,18 @@
         </p:spPr>
         <p:txBody>
           <a:bodyPr/>
-          <a:lstStyle>
-            <a:lvl1pPr algn="ctr"/>
-          </a:lstStyle>
+          <a:lstStyle/>
           <a:p>
             <a:pPr/>
             <a:r>
-              <a:t>Distributed prediction</a:t>
+              <a:t>How does its works</a:t>
             </a:r>
           </a:p>
         </p:txBody>
       </p:sp>
       <p:pic>
         <p:nvPicPr>
-          <p:cNvPr id="134" name="Google Shape;529;p81" descr="Google Shape;529;p81"/>
+          <p:cNvPr id="142" name="Google Shape;212;p28" descr="Google Shape;212;p28"/>
           <p:cNvPicPr>
             <a:picLocks noChangeAspect="1"/>
           </p:cNvPicPr>
@@ -3482,8 +4926,8 @@
         </p:blipFill>
         <p:spPr>
           <a:xfrm>
-            <a:off x="2133600" y="1512197"/>
-            <a:ext cx="7737782" cy="5151109"/>
+            <a:off x="1" y="-342900"/>
+            <a:ext cx="12143365" cy="8588086"/>
           </a:xfrm>
           <a:prstGeom prst="rect">
             <a:avLst/>
@@ -3521,7 +4965,7 @@
       </p:grpSpPr>
       <p:sp>
         <p:nvSpPr>
-          <p:cNvPr id="136" name="Google Shape;534;p82"/>
+          <p:cNvPr id="144" name="Google Shape;217;p29"/>
           <p:cNvSpPr txBox="1"/>
           <p:nvPr>
             <p:ph type="title"/>
@@ -3538,20 +4982,18 @@
         </p:spPr>
         <p:txBody>
           <a:bodyPr/>
-          <a:lstStyle>
-            <a:lvl1pPr algn="ctr"/>
-          </a:lstStyle>
+          <a:lstStyle/>
           <a:p>
             <a:pPr/>
             <a:r>
-              <a:t>Distributed prediction</a:t>
+              <a:t>How does its works</a:t>
             </a:r>
           </a:p>
         </p:txBody>
       </p:sp>
       <p:pic>
         <p:nvPicPr>
-          <p:cNvPr id="137" name="Google Shape;535;p82" descr="Google Shape;535;p82"/>
+          <p:cNvPr id="145" name="Google Shape;218;p29" descr="Google Shape;218;p29"/>
           <p:cNvPicPr>
             <a:picLocks noChangeAspect="1"/>
           </p:cNvPicPr>
@@ -3567,8 +5009,174 @@
         </p:blipFill>
         <p:spPr>
           <a:xfrm>
-            <a:off x="2133600" y="1512197"/>
-            <a:ext cx="7737782" cy="5151109"/>
+            <a:off x="1" y="-342900"/>
+            <a:ext cx="12143365" cy="8588083"/>
+          </a:xfrm>
+          <a:prstGeom prst="rect">
+            <a:avLst/>
+          </a:prstGeom>
+          <a:ln w="12700">
+            <a:miter lim="400000"/>
+          </a:ln>
+        </p:spPr>
+      </p:pic>
+    </p:spTree>
+  </p:cSld>
+  <p:clrMapOvr>
+    <a:masterClrMapping/>
+  </p:clrMapOvr>
+  <p:transition xmlns:p14="http://schemas.microsoft.com/office/powerpoint/2010/main" spd="med" advClick="1"/>
+</p:sld>
+</file>
+
+<file path=ppt/slides/slide8.xml><?xml version="1.0" encoding="utf-8"?>
+<p:sld xmlns:a="http://schemas.openxmlformats.org/drawingml/2006/main" xmlns:r="http://schemas.openxmlformats.org/officeDocument/2006/relationships" xmlns:p="http://schemas.openxmlformats.org/presentationml/2006/main" xmlns:m="http://schemas.openxmlformats.org/officeDocument/2006/math" xmlns:a14="http://schemas.microsoft.com/office/drawing/2010/main" showMasterSp="1" showMasterPhAnim="1">
+  <p:cSld>
+    <p:spTree>
+      <p:nvGrpSpPr>
+        <p:cNvPr id="1" name=""/>
+        <p:cNvGrpSpPr/>
+        <p:nvPr/>
+      </p:nvGrpSpPr>
+      <p:grpSpPr>
+        <a:xfrm>
+          <a:off x="0" y="0"/>
+          <a:ext cx="0" cy="0"/>
+          <a:chOff x="0" y="0"/>
+          <a:chExt cx="0" cy="0"/>
+        </a:xfrm>
+      </p:grpSpPr>
+      <p:sp>
+        <p:nvSpPr>
+          <p:cNvPr id="147" name="Google Shape;223;p30"/>
+          <p:cNvSpPr txBox="1"/>
+          <p:nvPr>
+            <p:ph type="title"/>
+          </p:nvPr>
+        </p:nvSpPr>
+        <p:spPr>
+          <a:xfrm>
+            <a:off x="838200" y="365125"/>
+            <a:ext cx="10515600" cy="1325563"/>
+          </a:xfrm>
+          <a:prstGeom prst="rect">
+            <a:avLst/>
+          </a:prstGeom>
+        </p:spPr>
+        <p:txBody>
+          <a:bodyPr/>
+          <a:lstStyle/>
+          <a:p>
+            <a:pPr/>
+            <a:r>
+              <a:t>How does its works</a:t>
+            </a:r>
+          </a:p>
+        </p:txBody>
+      </p:sp>
+      <p:pic>
+        <p:nvPicPr>
+          <p:cNvPr id="148" name="Google Shape;224;p30" descr="Google Shape;224;p30"/>
+          <p:cNvPicPr>
+            <a:picLocks noChangeAspect="1"/>
+          </p:cNvPicPr>
+          <p:nvPr/>
+        </p:nvPicPr>
+        <p:blipFill>
+          <a:blip r:embed="rId2">
+            <a:extLst/>
+          </a:blip>
+          <a:stretch>
+            <a:fillRect/>
+          </a:stretch>
+        </p:blipFill>
+        <p:spPr>
+          <a:xfrm>
+            <a:off x="1" y="-342900"/>
+            <a:ext cx="12143365" cy="8588083"/>
+          </a:xfrm>
+          <a:prstGeom prst="rect">
+            <a:avLst/>
+          </a:prstGeom>
+          <a:ln w="12700">
+            <a:miter lim="400000"/>
+          </a:ln>
+        </p:spPr>
+      </p:pic>
+    </p:spTree>
+  </p:cSld>
+  <p:clrMapOvr>
+    <a:masterClrMapping/>
+  </p:clrMapOvr>
+  <p:transition xmlns:p14="http://schemas.microsoft.com/office/powerpoint/2010/main" spd="med" advClick="1"/>
+</p:sld>
+</file>
+
+<file path=ppt/slides/slide9.xml><?xml version="1.0" encoding="utf-8"?>
+<p:sld xmlns:a="http://schemas.openxmlformats.org/drawingml/2006/main" xmlns:r="http://schemas.openxmlformats.org/officeDocument/2006/relationships" xmlns:p="http://schemas.openxmlformats.org/presentationml/2006/main" xmlns:m="http://schemas.openxmlformats.org/officeDocument/2006/math" xmlns:a14="http://schemas.microsoft.com/office/drawing/2010/main" showMasterSp="1" showMasterPhAnim="1">
+  <p:cSld>
+    <p:spTree>
+      <p:nvGrpSpPr>
+        <p:cNvPr id="1" name=""/>
+        <p:cNvGrpSpPr/>
+        <p:nvPr/>
+      </p:nvGrpSpPr>
+      <p:grpSpPr>
+        <a:xfrm>
+          <a:off x="0" y="0"/>
+          <a:ext cx="0" cy="0"/>
+          <a:chOff x="0" y="0"/>
+          <a:chExt cx="0" cy="0"/>
+        </a:xfrm>
+      </p:grpSpPr>
+      <p:sp>
+        <p:nvSpPr>
+          <p:cNvPr id="150" name="Google Shape;229;p31"/>
+          <p:cNvSpPr txBox="1"/>
+          <p:nvPr>
+            <p:ph type="title"/>
+          </p:nvPr>
+        </p:nvSpPr>
+        <p:spPr>
+          <a:xfrm>
+            <a:off x="838200" y="365125"/>
+            <a:ext cx="10515600" cy="1325563"/>
+          </a:xfrm>
+          <a:prstGeom prst="rect">
+            <a:avLst/>
+          </a:prstGeom>
+        </p:spPr>
+        <p:txBody>
+          <a:bodyPr/>
+          <a:lstStyle/>
+          <a:p>
+            <a:pPr/>
+            <a:r>
+              <a:t>How does its works</a:t>
+            </a:r>
+          </a:p>
+        </p:txBody>
+      </p:sp>
+      <p:pic>
+        <p:nvPicPr>
+          <p:cNvPr id="151" name="Google Shape;230;p31" descr="Google Shape;230;p31"/>
+          <p:cNvPicPr>
+            <a:picLocks noChangeAspect="1"/>
+          </p:cNvPicPr>
+          <p:nvPr/>
+        </p:nvPicPr>
+        <p:blipFill>
+          <a:blip r:embed="rId2">
+            <a:extLst/>
+          </a:blip>
+          <a:stretch>
+            <a:fillRect/>
+          </a:stretch>
+        </p:blipFill>
+        <p:spPr>
+          <a:xfrm>
+            <a:off x="1" y="-342900"/>
+            <a:ext cx="12143365" cy="8588082"/>
           </a:xfrm>
           <a:prstGeom prst="rect">
             <a:avLst/>
@@ -3630,14 +5238,14 @@
     </a:clrScheme>
     <a:fontScheme name="Default">
       <a:majorFont>
+        <a:latin typeface="Helvetica"/>
+        <a:ea typeface="Helvetica"/>
+        <a:cs typeface="Helvetica"/>
+      </a:majorFont>
+      <a:minorFont>
         <a:latin typeface="Arial"/>
         <a:ea typeface="Arial"/>
         <a:cs typeface="Arial"/>
-      </a:majorFont>
-      <a:minorFont>
-        <a:latin typeface="Helvetica"/>
-        <a:ea typeface="Helvetica"/>
-        <a:cs typeface="Helvetica"/>
       </a:minorFont>
     </a:fontScheme>
     <a:fmtScheme name="Default">
@@ -3719,13 +5327,7 @@
           <a:effectLst/>
         </a:effectStyle>
         <a:effectStyle>
-          <a:effectLst>
-            <a:outerShdw sx="100000" sy="100000" kx="0" ky="0" algn="b" rotWithShape="0" blurRad="38100" dist="20000" dir="5400000">
-              <a:srgbClr val="000000">
-                <a:alpha val="38000"/>
-              </a:srgbClr>
-            </a:outerShdw>
-          </a:effectLst>
+          <a:effectLst/>
         </a:effectStyle>
       </a:effectStyleLst>
       <a:bgFillStyleLst>
@@ -3827,7 +5429,7 @@
             <a:latin typeface="+mj-lt"/>
             <a:ea typeface="+mj-ea"/>
             <a:cs typeface="+mj-cs"/>
-            <a:sym typeface="Arial"/>
+            <a:sym typeface="Helvetica"/>
           </a:defRPr>
         </a:defPPr>
         <a:lvl1pPr marL="0" marR="0" indent="0" algn="l" defTabSz="914400" rtl="0" fontAlgn="auto" latinLnBrk="1" hangingPunct="0">
@@ -4082,13 +5684,7 @@
           <a:prstDash val="solid"/>
           <a:round/>
         </a:ln>
-        <a:effectLst>
-          <a:outerShdw sx="100000" sy="100000" kx="0" ky="0" algn="b" rotWithShape="0" blurRad="38100" dist="20000" dir="5400000">
-            <a:srgbClr val="000000">
-              <a:alpha val="38000"/>
-            </a:srgbClr>
-          </a:outerShdw>
-        </a:effectLst>
+        <a:effectLst/>
         <a:sp3d/>
       </a:spPr>
       <a:bodyPr rot="0" spcFirstLastPara="1" vertOverflow="overflow" horzOverflow="overflow" vert="horz" wrap="square" lIns="91439" tIns="45719" rIns="91439" bIns="45719" numCol="1" spcCol="38100" rtlCol="0" anchor="t" upright="0">
@@ -4404,7 +6000,7 @@
             <a:latin typeface="+mj-lt"/>
             <a:ea typeface="+mj-ea"/>
             <a:cs typeface="+mj-cs"/>
-            <a:sym typeface="Arial"/>
+            <a:sym typeface="Helvetica"/>
           </a:defRPr>
         </a:defPPr>
         <a:lvl1pPr marL="0" marR="0" indent="0" algn="l" defTabSz="914400" rtl="0" fontAlgn="auto" latinLnBrk="1" hangingPunct="0">
@@ -4696,14 +6292,14 @@
     </a:clrScheme>
     <a:fontScheme name="Default">
       <a:majorFont>
+        <a:latin typeface="Helvetica"/>
+        <a:ea typeface="Helvetica"/>
+        <a:cs typeface="Helvetica"/>
+      </a:majorFont>
+      <a:minorFont>
         <a:latin typeface="Arial"/>
         <a:ea typeface="Arial"/>
         <a:cs typeface="Arial"/>
-      </a:majorFont>
-      <a:minorFont>
-        <a:latin typeface="Helvetica"/>
-        <a:ea typeface="Helvetica"/>
-        <a:cs typeface="Helvetica"/>
       </a:minorFont>
     </a:fontScheme>
     <a:fmtScheme name="Default">
@@ -4785,13 +6381,7 @@
           <a:effectLst/>
         </a:effectStyle>
         <a:effectStyle>
-          <a:effectLst>
-            <a:outerShdw sx="100000" sy="100000" kx="0" ky="0" algn="b" rotWithShape="0" blurRad="38100" dist="20000" dir="5400000">
-              <a:srgbClr val="000000">
-                <a:alpha val="38000"/>
-              </a:srgbClr>
-            </a:outerShdw>
-          </a:effectLst>
+          <a:effectLst/>
         </a:effectStyle>
       </a:effectStyleLst>
       <a:bgFillStyleLst>
@@ -4893,7 +6483,7 @@
             <a:latin typeface="+mj-lt"/>
             <a:ea typeface="+mj-ea"/>
             <a:cs typeface="+mj-cs"/>
-            <a:sym typeface="Arial"/>
+            <a:sym typeface="Helvetica"/>
           </a:defRPr>
         </a:defPPr>
         <a:lvl1pPr marL="0" marR="0" indent="0" algn="l" defTabSz="914400" rtl="0" fontAlgn="auto" latinLnBrk="1" hangingPunct="0">
@@ -5148,13 +6738,7 @@
           <a:prstDash val="solid"/>
           <a:round/>
         </a:ln>
-        <a:effectLst>
-          <a:outerShdw sx="100000" sy="100000" kx="0" ky="0" algn="b" rotWithShape="0" blurRad="38100" dist="20000" dir="5400000">
-            <a:srgbClr val="000000">
-              <a:alpha val="38000"/>
-            </a:srgbClr>
-          </a:outerShdw>
-        </a:effectLst>
+        <a:effectLst/>
         <a:sp3d/>
       </a:spPr>
       <a:bodyPr rot="0" spcFirstLastPara="1" vertOverflow="overflow" horzOverflow="overflow" vert="horz" wrap="square" lIns="91439" tIns="45719" rIns="91439" bIns="45719" numCol="1" spcCol="38100" rtlCol="0" anchor="t" upright="0">
@@ -5470,7 +7054,7 @@
             <a:latin typeface="+mj-lt"/>
             <a:ea typeface="+mj-ea"/>
             <a:cs typeface="+mj-cs"/>
-            <a:sym typeface="Arial"/>
+            <a:sym typeface="Helvetica"/>
           </a:defRPr>
         </a:defPPr>
         <a:lvl1pPr marL="0" marR="0" indent="0" algn="l" defTabSz="914400" rtl="0" fontAlgn="auto" latinLnBrk="1" hangingPunct="0">
